--- a/Danceple/요구사항.pptx
+++ b/Danceple/요구사항.pptx
@@ -291,7 +291,7 @@
           <a:p>
             <a:fld id="{100CA88F-184A-4694-ACB4-520C4B24C091}" type="datetimeFigureOut">
               <a:rPr lang="ko-KR" altLang="en-US" smtClean="0"/>
-              <a:t>2017-07-14</a:t>
+              <a:t>2017-07-25</a:t>
             </a:fld>
             <a:endParaRPr lang="ko-KR" altLang="en-US"/>
           </a:p>
@@ -461,7 +461,7 @@
           <a:p>
             <a:fld id="{100CA88F-184A-4694-ACB4-520C4B24C091}" type="datetimeFigureOut">
               <a:rPr lang="ko-KR" altLang="en-US" smtClean="0"/>
-              <a:t>2017-07-14</a:t>
+              <a:t>2017-07-25</a:t>
             </a:fld>
             <a:endParaRPr lang="ko-KR" altLang="en-US"/>
           </a:p>
@@ -641,7 +641,7 @@
           <a:p>
             <a:fld id="{100CA88F-184A-4694-ACB4-520C4B24C091}" type="datetimeFigureOut">
               <a:rPr lang="ko-KR" altLang="en-US" smtClean="0"/>
-              <a:t>2017-07-14</a:t>
+              <a:t>2017-07-25</a:t>
             </a:fld>
             <a:endParaRPr lang="ko-KR" altLang="en-US"/>
           </a:p>
@@ -811,7 +811,7 @@
           <a:p>
             <a:fld id="{100CA88F-184A-4694-ACB4-520C4B24C091}" type="datetimeFigureOut">
               <a:rPr lang="ko-KR" altLang="en-US" smtClean="0"/>
-              <a:t>2017-07-14</a:t>
+              <a:t>2017-07-25</a:t>
             </a:fld>
             <a:endParaRPr lang="ko-KR" altLang="en-US"/>
           </a:p>
@@ -1057,7 +1057,7 @@
           <a:p>
             <a:fld id="{100CA88F-184A-4694-ACB4-520C4B24C091}" type="datetimeFigureOut">
               <a:rPr lang="ko-KR" altLang="en-US" smtClean="0"/>
-              <a:t>2017-07-14</a:t>
+              <a:t>2017-07-25</a:t>
             </a:fld>
             <a:endParaRPr lang="ko-KR" altLang="en-US"/>
           </a:p>
@@ -1345,7 +1345,7 @@
           <a:p>
             <a:fld id="{100CA88F-184A-4694-ACB4-520C4B24C091}" type="datetimeFigureOut">
               <a:rPr lang="ko-KR" altLang="en-US" smtClean="0"/>
-              <a:t>2017-07-14</a:t>
+              <a:t>2017-07-25</a:t>
             </a:fld>
             <a:endParaRPr lang="ko-KR" altLang="en-US"/>
           </a:p>
@@ -1767,7 +1767,7 @@
           <a:p>
             <a:fld id="{100CA88F-184A-4694-ACB4-520C4B24C091}" type="datetimeFigureOut">
               <a:rPr lang="ko-KR" altLang="en-US" smtClean="0"/>
-              <a:t>2017-07-14</a:t>
+              <a:t>2017-07-25</a:t>
             </a:fld>
             <a:endParaRPr lang="ko-KR" altLang="en-US"/>
           </a:p>
@@ -1885,7 +1885,7 @@
           <a:p>
             <a:fld id="{100CA88F-184A-4694-ACB4-520C4B24C091}" type="datetimeFigureOut">
               <a:rPr lang="ko-KR" altLang="en-US" smtClean="0"/>
-              <a:t>2017-07-14</a:t>
+              <a:t>2017-07-25</a:t>
             </a:fld>
             <a:endParaRPr lang="ko-KR" altLang="en-US"/>
           </a:p>
@@ -1980,7 +1980,7 @@
           <a:p>
             <a:fld id="{100CA88F-184A-4694-ACB4-520C4B24C091}" type="datetimeFigureOut">
               <a:rPr lang="ko-KR" altLang="en-US" smtClean="0"/>
-              <a:t>2017-07-14</a:t>
+              <a:t>2017-07-25</a:t>
             </a:fld>
             <a:endParaRPr lang="ko-KR" altLang="en-US"/>
           </a:p>
@@ -2257,7 +2257,7 @@
           <a:p>
             <a:fld id="{100CA88F-184A-4694-ACB4-520C4B24C091}" type="datetimeFigureOut">
               <a:rPr lang="ko-KR" altLang="en-US" smtClean="0"/>
-              <a:t>2017-07-14</a:t>
+              <a:t>2017-07-25</a:t>
             </a:fld>
             <a:endParaRPr lang="ko-KR" altLang="en-US"/>
           </a:p>
@@ -2510,7 +2510,7 @@
           <a:p>
             <a:fld id="{100CA88F-184A-4694-ACB4-520C4B24C091}" type="datetimeFigureOut">
               <a:rPr lang="ko-KR" altLang="en-US" smtClean="0"/>
-              <a:t>2017-07-14</a:t>
+              <a:t>2017-07-25</a:t>
             </a:fld>
             <a:endParaRPr lang="ko-KR" altLang="en-US"/>
           </a:p>
@@ -2723,7 +2723,7 @@
           <a:p>
             <a:fld id="{100CA88F-184A-4694-ACB4-520C4B24C091}" type="datetimeFigureOut">
               <a:rPr lang="ko-KR" altLang="en-US" smtClean="0"/>
-              <a:t>2017-07-14</a:t>
+              <a:t>2017-07-25</a:t>
             </a:fld>
             <a:endParaRPr lang="ko-KR" altLang="en-US"/>
           </a:p>
@@ -3245,26 +3245,23 @@
             <a:pPr lvl="2"/>
             <a:r>
               <a:rPr lang="ko-KR" altLang="en-US" dirty="0" smtClean="0"/>
-              <a:t>팀장은 </a:t>
-            </a:r>
-            <a:r>
-              <a:rPr lang="ko-KR" altLang="en-US" dirty="0" smtClean="0"/>
-              <a:t>맡은 팀이 있다</a:t>
-            </a:r>
-            <a:r>
-              <a:rPr lang="en-US" altLang="ko-KR" dirty="0" smtClean="0"/>
-              <a:t>.</a:t>
-            </a:r>
+              <a:t>팀장은 맡은 팀이 있다</a:t>
+            </a:r>
+            <a:r>
+              <a:rPr lang="en-US" altLang="ko-KR" dirty="0" smtClean="0"/>
+              <a:t>. </a:t>
+            </a:r>
+            <a:r>
+              <a:rPr lang="en-US" altLang="ko-KR" smtClean="0"/>
+              <a:t>t</a:t>
+            </a:r>
+            <a:endParaRPr lang="en-US" altLang="ko-KR" dirty="0" smtClean="0"/>
           </a:p>
           <a:p>
             <a:pPr lvl="2"/>
             <a:r>
               <a:rPr lang="ko-KR" altLang="en-US" dirty="0" smtClean="0"/>
-              <a:t>팀장은 </a:t>
-            </a:r>
-            <a:r>
-              <a:rPr lang="ko-KR" altLang="en-US" dirty="0" smtClean="0"/>
-              <a:t>맡은 팀의 회원 정보를 볼 수 있어야 한다</a:t>
+              <a:t>팀장은 맡은 팀의 회원 정보를 볼 수 있어야 한다</a:t>
             </a:r>
             <a:r>
               <a:rPr lang="en-US" altLang="ko-KR" dirty="0" smtClean="0"/>

--- a/Danceple/요구사항.pptx
+++ b/Danceple/요구사항.pptx
@@ -291,7 +291,7 @@
           <a:p>
             <a:fld id="{100CA88F-184A-4694-ACB4-520C4B24C091}" type="datetimeFigureOut">
               <a:rPr lang="ko-KR" altLang="en-US" smtClean="0"/>
-              <a:t>2017-07-25</a:t>
+              <a:t>2017-07-14</a:t>
             </a:fld>
             <a:endParaRPr lang="ko-KR" altLang="en-US"/>
           </a:p>
@@ -461,7 +461,7 @@
           <a:p>
             <a:fld id="{100CA88F-184A-4694-ACB4-520C4B24C091}" type="datetimeFigureOut">
               <a:rPr lang="ko-KR" altLang="en-US" smtClean="0"/>
-              <a:t>2017-07-25</a:t>
+              <a:t>2017-07-14</a:t>
             </a:fld>
             <a:endParaRPr lang="ko-KR" altLang="en-US"/>
           </a:p>
@@ -641,7 +641,7 @@
           <a:p>
             <a:fld id="{100CA88F-184A-4694-ACB4-520C4B24C091}" type="datetimeFigureOut">
               <a:rPr lang="ko-KR" altLang="en-US" smtClean="0"/>
-              <a:t>2017-07-25</a:t>
+              <a:t>2017-07-14</a:t>
             </a:fld>
             <a:endParaRPr lang="ko-KR" altLang="en-US"/>
           </a:p>
@@ -811,7 +811,7 @@
           <a:p>
             <a:fld id="{100CA88F-184A-4694-ACB4-520C4B24C091}" type="datetimeFigureOut">
               <a:rPr lang="ko-KR" altLang="en-US" smtClean="0"/>
-              <a:t>2017-07-25</a:t>
+              <a:t>2017-07-14</a:t>
             </a:fld>
             <a:endParaRPr lang="ko-KR" altLang="en-US"/>
           </a:p>
@@ -1057,7 +1057,7 @@
           <a:p>
             <a:fld id="{100CA88F-184A-4694-ACB4-520C4B24C091}" type="datetimeFigureOut">
               <a:rPr lang="ko-KR" altLang="en-US" smtClean="0"/>
-              <a:t>2017-07-25</a:t>
+              <a:t>2017-07-14</a:t>
             </a:fld>
             <a:endParaRPr lang="ko-KR" altLang="en-US"/>
           </a:p>
@@ -1345,7 +1345,7 @@
           <a:p>
             <a:fld id="{100CA88F-184A-4694-ACB4-520C4B24C091}" type="datetimeFigureOut">
               <a:rPr lang="ko-KR" altLang="en-US" smtClean="0"/>
-              <a:t>2017-07-25</a:t>
+              <a:t>2017-07-14</a:t>
             </a:fld>
             <a:endParaRPr lang="ko-KR" altLang="en-US"/>
           </a:p>
@@ -1767,7 +1767,7 @@
           <a:p>
             <a:fld id="{100CA88F-184A-4694-ACB4-520C4B24C091}" type="datetimeFigureOut">
               <a:rPr lang="ko-KR" altLang="en-US" smtClean="0"/>
-              <a:t>2017-07-25</a:t>
+              <a:t>2017-07-14</a:t>
             </a:fld>
             <a:endParaRPr lang="ko-KR" altLang="en-US"/>
           </a:p>
@@ -1885,7 +1885,7 @@
           <a:p>
             <a:fld id="{100CA88F-184A-4694-ACB4-520C4B24C091}" type="datetimeFigureOut">
               <a:rPr lang="ko-KR" altLang="en-US" smtClean="0"/>
-              <a:t>2017-07-25</a:t>
+              <a:t>2017-07-14</a:t>
             </a:fld>
             <a:endParaRPr lang="ko-KR" altLang="en-US"/>
           </a:p>
@@ -1980,7 +1980,7 @@
           <a:p>
             <a:fld id="{100CA88F-184A-4694-ACB4-520C4B24C091}" type="datetimeFigureOut">
               <a:rPr lang="ko-KR" altLang="en-US" smtClean="0"/>
-              <a:t>2017-07-25</a:t>
+              <a:t>2017-07-14</a:t>
             </a:fld>
             <a:endParaRPr lang="ko-KR" altLang="en-US"/>
           </a:p>
@@ -2257,7 +2257,7 @@
           <a:p>
             <a:fld id="{100CA88F-184A-4694-ACB4-520C4B24C091}" type="datetimeFigureOut">
               <a:rPr lang="ko-KR" altLang="en-US" smtClean="0"/>
-              <a:t>2017-07-25</a:t>
+              <a:t>2017-07-14</a:t>
             </a:fld>
             <a:endParaRPr lang="ko-KR" altLang="en-US"/>
           </a:p>
@@ -2510,7 +2510,7 @@
           <a:p>
             <a:fld id="{100CA88F-184A-4694-ACB4-520C4B24C091}" type="datetimeFigureOut">
               <a:rPr lang="ko-KR" altLang="en-US" smtClean="0"/>
-              <a:t>2017-07-25</a:t>
+              <a:t>2017-07-14</a:t>
             </a:fld>
             <a:endParaRPr lang="ko-KR" altLang="en-US"/>
           </a:p>
@@ -2723,7 +2723,7 @@
           <a:p>
             <a:fld id="{100CA88F-184A-4694-ACB4-520C4B24C091}" type="datetimeFigureOut">
               <a:rPr lang="ko-KR" altLang="en-US" smtClean="0"/>
-              <a:t>2017-07-25</a:t>
+              <a:t>2017-07-14</a:t>
             </a:fld>
             <a:endParaRPr lang="ko-KR" altLang="en-US"/>
           </a:p>
@@ -3245,23 +3245,26 @@
             <a:pPr lvl="2"/>
             <a:r>
               <a:rPr lang="ko-KR" altLang="en-US" dirty="0" smtClean="0"/>
-              <a:t>팀장은 맡은 팀이 있다</a:t>
-            </a:r>
-            <a:r>
-              <a:rPr lang="en-US" altLang="ko-KR" dirty="0" smtClean="0"/>
-              <a:t>. </a:t>
-            </a:r>
-            <a:r>
-              <a:rPr lang="en-US" altLang="ko-KR" smtClean="0"/>
-              <a:t>t</a:t>
-            </a:r>
-            <a:endParaRPr lang="en-US" altLang="ko-KR" dirty="0" smtClean="0"/>
+              <a:t>팀장은 </a:t>
+            </a:r>
+            <a:r>
+              <a:rPr lang="ko-KR" altLang="en-US" dirty="0" smtClean="0"/>
+              <a:t>맡은 팀이 있다</a:t>
+            </a:r>
+            <a:r>
+              <a:rPr lang="en-US" altLang="ko-KR" dirty="0" smtClean="0"/>
+              <a:t>.</a:t>
+            </a:r>
           </a:p>
           <a:p>
             <a:pPr lvl="2"/>
             <a:r>
               <a:rPr lang="ko-KR" altLang="en-US" dirty="0" smtClean="0"/>
-              <a:t>팀장은 맡은 팀의 회원 정보를 볼 수 있어야 한다</a:t>
+              <a:t>팀장은 </a:t>
+            </a:r>
+            <a:r>
+              <a:rPr lang="ko-KR" altLang="en-US" dirty="0" smtClean="0"/>
+              <a:t>맡은 팀의 회원 정보를 볼 수 있어야 한다</a:t>
             </a:r>
             <a:r>
               <a:rPr lang="en-US" altLang="ko-KR" dirty="0" smtClean="0"/>
